--- a/Organisation neu/UserStoryMap.pptx
+++ b/Organisation neu/UserStoryMap.pptx
@@ -6,6 +6,7 @@
   </p:sldMasterIdLst>
   <p:sldIdLst>
     <p:sldId id="256" r:id="rId2"/>
+    <p:sldId id="257" r:id="rId3"/>
   </p:sldIdLst>
   <p:sldSz cx="12192000" cy="6858000"/>
   <p:notesSz cx="6858000" cy="9144000"/>
@@ -261,7 +262,7 @@
           <a:p>
             <a:fld id="{C0F77D27-9F64-4978-B0FA-7EAE263BC87D}" type="datetimeFigureOut">
               <a:rPr lang="de-AT" smtClean="0"/>
-              <a:t>16.04.2020</a:t>
+              <a:t>21.04.2020</a:t>
             </a:fld>
             <a:endParaRPr lang="de-AT"/>
           </a:p>
@@ -461,7 +462,7 @@
           <a:p>
             <a:fld id="{C0F77D27-9F64-4978-B0FA-7EAE263BC87D}" type="datetimeFigureOut">
               <a:rPr lang="de-AT" smtClean="0"/>
-              <a:t>16.04.2020</a:t>
+              <a:t>21.04.2020</a:t>
             </a:fld>
             <a:endParaRPr lang="de-AT"/>
           </a:p>
@@ -671,7 +672,7 @@
           <a:p>
             <a:fld id="{C0F77D27-9F64-4978-B0FA-7EAE263BC87D}" type="datetimeFigureOut">
               <a:rPr lang="de-AT" smtClean="0"/>
-              <a:t>16.04.2020</a:t>
+              <a:t>21.04.2020</a:t>
             </a:fld>
             <a:endParaRPr lang="de-AT"/>
           </a:p>
@@ -871,7 +872,7 @@
           <a:p>
             <a:fld id="{C0F77D27-9F64-4978-B0FA-7EAE263BC87D}" type="datetimeFigureOut">
               <a:rPr lang="de-AT" smtClean="0"/>
-              <a:t>16.04.2020</a:t>
+              <a:t>21.04.2020</a:t>
             </a:fld>
             <a:endParaRPr lang="de-AT"/>
           </a:p>
@@ -1147,7 +1148,7 @@
           <a:p>
             <a:fld id="{C0F77D27-9F64-4978-B0FA-7EAE263BC87D}" type="datetimeFigureOut">
               <a:rPr lang="de-AT" smtClean="0"/>
-              <a:t>16.04.2020</a:t>
+              <a:t>21.04.2020</a:t>
             </a:fld>
             <a:endParaRPr lang="de-AT"/>
           </a:p>
@@ -1415,7 +1416,7 @@
           <a:p>
             <a:fld id="{C0F77D27-9F64-4978-B0FA-7EAE263BC87D}" type="datetimeFigureOut">
               <a:rPr lang="de-AT" smtClean="0"/>
-              <a:t>16.04.2020</a:t>
+              <a:t>21.04.2020</a:t>
             </a:fld>
             <a:endParaRPr lang="de-AT"/>
           </a:p>
@@ -1830,7 +1831,7 @@
           <a:p>
             <a:fld id="{C0F77D27-9F64-4978-B0FA-7EAE263BC87D}" type="datetimeFigureOut">
               <a:rPr lang="de-AT" smtClean="0"/>
-              <a:t>16.04.2020</a:t>
+              <a:t>21.04.2020</a:t>
             </a:fld>
             <a:endParaRPr lang="de-AT"/>
           </a:p>
@@ -1972,7 +1973,7 @@
           <a:p>
             <a:fld id="{C0F77D27-9F64-4978-B0FA-7EAE263BC87D}" type="datetimeFigureOut">
               <a:rPr lang="de-AT" smtClean="0"/>
-              <a:t>16.04.2020</a:t>
+              <a:t>21.04.2020</a:t>
             </a:fld>
             <a:endParaRPr lang="de-AT"/>
           </a:p>
@@ -2085,7 +2086,7 @@
           <a:p>
             <a:fld id="{C0F77D27-9F64-4978-B0FA-7EAE263BC87D}" type="datetimeFigureOut">
               <a:rPr lang="de-AT" smtClean="0"/>
-              <a:t>16.04.2020</a:t>
+              <a:t>21.04.2020</a:t>
             </a:fld>
             <a:endParaRPr lang="de-AT"/>
           </a:p>
@@ -2398,7 +2399,7 @@
           <a:p>
             <a:fld id="{C0F77D27-9F64-4978-B0FA-7EAE263BC87D}" type="datetimeFigureOut">
               <a:rPr lang="de-AT" smtClean="0"/>
-              <a:t>16.04.2020</a:t>
+              <a:t>21.04.2020</a:t>
             </a:fld>
             <a:endParaRPr lang="de-AT"/>
           </a:p>
@@ -2687,7 +2688,7 @@
           <a:p>
             <a:fld id="{C0F77D27-9F64-4978-B0FA-7EAE263BC87D}" type="datetimeFigureOut">
               <a:rPr lang="de-AT" smtClean="0"/>
-              <a:t>16.04.2020</a:t>
+              <a:t>21.04.2020</a:t>
             </a:fld>
             <a:endParaRPr lang="de-AT"/>
           </a:p>
@@ -2930,7 +2931,7 @@
           <a:p>
             <a:fld id="{C0F77D27-9F64-4978-B0FA-7EAE263BC87D}" type="datetimeFigureOut">
               <a:rPr lang="de-AT" smtClean="0"/>
-              <a:t>16.04.2020</a:t>
+              <a:t>21.04.2020</a:t>
             </a:fld>
             <a:endParaRPr lang="de-AT"/>
           </a:p>
@@ -3367,6 +3368,12 @@
           <a:prstGeom prst="rect">
             <a:avLst/>
           </a:prstGeom>
+          <a:solidFill>
+            <a:schemeClr val="accent4">
+              <a:lumMod val="60000"/>
+              <a:lumOff val="40000"/>
+            </a:schemeClr>
+          </a:solidFill>
           <a:effectLst>
             <a:outerShdw blurRad="50800" dist="38100" dir="2700000" algn="tl" rotWithShape="0">
               <a:prstClr val="black">
@@ -3394,13 +3401,10 @@
           <a:lstStyle/>
           <a:p>
             <a:pPr algn="ctr"/>
-            <a:r>
-              <a:rPr lang="de-AT" sz="1700" dirty="0">
-                <a:latin typeface="Roboto Black" panose="02000000000000000000" pitchFamily="2" charset="0"/>
-                <a:ea typeface="Roboto Black" panose="02000000000000000000" pitchFamily="2" charset="0"/>
-              </a:rPr>
-              <a:t>s</a:t>
-            </a:r>
+            <a:endParaRPr lang="de-AT" sz="1700" dirty="0">
+              <a:latin typeface="Roboto Black" panose="02000000000000000000" pitchFamily="2" charset="0"/>
+              <a:ea typeface="Roboto Black" panose="02000000000000000000" pitchFamily="2" charset="0"/>
+            </a:endParaRPr>
           </a:p>
         </p:txBody>
       </p:sp>
@@ -3719,10 +3723,10 @@
       </p:sp>
       <p:sp>
         <p:nvSpPr>
-          <p:cNvPr id="12" name="Rechteck 11">
-            <a:extLst>
-              <a:ext uri="{FF2B5EF4-FFF2-40B4-BE49-F238E27FC236}">
-                <a16:creationId xmlns:a16="http://schemas.microsoft.com/office/drawing/2014/main" id="{46EC3E7D-81F5-4792-B64D-D9F7443387B4}"/>
+          <p:cNvPr id="16" name="Rechteck 15">
+            <a:extLst>
+              <a:ext uri="{FF2B5EF4-FFF2-40B4-BE49-F238E27FC236}">
+                <a16:creationId xmlns:a16="http://schemas.microsoft.com/office/drawing/2014/main" id="{5D75BFB1-F9AB-4105-9469-2316B879AEF0}"/>
               </a:ext>
             </a:extLst>
           </p:cNvPr>
@@ -3731,7 +3735,7 @@
         </p:nvSpPr>
         <p:spPr>
           <a:xfrm>
-            <a:off x="2375647" y="2989169"/>
+            <a:off x="2375647" y="4153888"/>
             <a:ext cx="1416424" cy="754155"/>
           </a:xfrm>
           <a:prstGeom prst="rect">
@@ -3780,17 +3784,17 @@
                 <a:latin typeface="Roboto Black" panose="02000000000000000000" pitchFamily="2" charset="0"/>
                 <a:ea typeface="Roboto Black" panose="02000000000000000000" pitchFamily="2" charset="0"/>
               </a:rPr>
-              <a:t>Registrieren</a:t>
-            </a:r>
-          </a:p>
-        </p:txBody>
-      </p:sp>
-      <p:sp>
-        <p:nvSpPr>
-          <p:cNvPr id="13" name="Rechteck 12">
-            <a:extLst>
-              <a:ext uri="{FF2B5EF4-FFF2-40B4-BE49-F238E27FC236}">
-                <a16:creationId xmlns:a16="http://schemas.microsoft.com/office/drawing/2014/main" id="{F5C01E69-FE10-4E02-9A20-DC560326CA78}"/>
+              <a:t>Auto mieten</a:t>
+            </a:r>
+          </a:p>
+        </p:txBody>
+      </p:sp>
+      <p:sp>
+        <p:nvSpPr>
+          <p:cNvPr id="21" name="Rechteck 20">
+            <a:extLst>
+              <a:ext uri="{FF2B5EF4-FFF2-40B4-BE49-F238E27FC236}">
+                <a16:creationId xmlns:a16="http://schemas.microsoft.com/office/drawing/2014/main" id="{50E13A47-3A52-4D1A-AC2B-F336D0C7EC32}"/>
               </a:ext>
             </a:extLst>
           </p:cNvPr>
@@ -3799,7 +3803,7 @@
         </p:nvSpPr>
         <p:spPr>
           <a:xfrm>
-            <a:off x="2375647" y="4161584"/>
+            <a:off x="2375647" y="3051922"/>
             <a:ext cx="1416424" cy="754155"/>
           </a:xfrm>
           <a:prstGeom prst="rect">
@@ -3848,30 +3852,17 @@
                 <a:latin typeface="Roboto Black" panose="02000000000000000000" pitchFamily="2" charset="0"/>
                 <a:ea typeface="Roboto Black" panose="02000000000000000000" pitchFamily="2" charset="0"/>
               </a:rPr>
-              <a:t>User </a:t>
-            </a:r>
-          </a:p>
-          <a:p>
-            <a:pPr algn="ctr"/>
-            <a:r>
-              <a:rPr lang="de-AT" sz="1700" dirty="0">
-                <a:solidFill>
-                  <a:schemeClr val="bg1"/>
-                </a:solidFill>
-                <a:latin typeface="Roboto Black" panose="02000000000000000000" pitchFamily="2" charset="0"/>
-                <a:ea typeface="Roboto Black" panose="02000000000000000000" pitchFamily="2" charset="0"/>
-              </a:rPr>
-              <a:t>Registrieren</a:t>
-            </a:r>
-          </a:p>
-        </p:txBody>
-      </p:sp>
-      <p:sp>
-        <p:nvSpPr>
-          <p:cNvPr id="14" name="Rechteck 13">
-            <a:extLst>
-              <a:ext uri="{FF2B5EF4-FFF2-40B4-BE49-F238E27FC236}">
-                <a16:creationId xmlns:a16="http://schemas.microsoft.com/office/drawing/2014/main" id="{52E704FA-9251-44B5-89D7-8A8A54D6BA1C}"/>
+              <a:t>Auto mieten</a:t>
+            </a:r>
+          </a:p>
+        </p:txBody>
+      </p:sp>
+      <p:sp>
+        <p:nvSpPr>
+          <p:cNvPr id="24" name="Rechteck 23">
+            <a:extLst>
+              <a:ext uri="{FF2B5EF4-FFF2-40B4-BE49-F238E27FC236}">
+                <a16:creationId xmlns:a16="http://schemas.microsoft.com/office/drawing/2014/main" id="{96E915D6-96E5-41CA-BD6C-452AD58EF407}"/>
               </a:ext>
             </a:extLst>
           </p:cNvPr>
@@ -3880,7 +3871,7 @@
         </p:nvSpPr>
         <p:spPr>
           <a:xfrm>
-            <a:off x="3998032" y="4161583"/>
+            <a:off x="3985980" y="4153888"/>
             <a:ext cx="1416424" cy="754155"/>
           </a:xfrm>
           <a:prstGeom prst="rect">
@@ -3929,30 +3920,17 @@
                 <a:latin typeface="Roboto Black" panose="02000000000000000000" pitchFamily="2" charset="0"/>
                 <a:ea typeface="Roboto Black" panose="02000000000000000000" pitchFamily="2" charset="0"/>
               </a:rPr>
-              <a:t>User </a:t>
-            </a:r>
-          </a:p>
-          <a:p>
-            <a:pPr algn="ctr"/>
-            <a:r>
-              <a:rPr lang="de-AT" sz="1700" dirty="0">
-                <a:solidFill>
-                  <a:schemeClr val="bg1"/>
-                </a:solidFill>
-                <a:latin typeface="Roboto Black" panose="02000000000000000000" pitchFamily="2" charset="0"/>
-                <a:ea typeface="Roboto Black" panose="02000000000000000000" pitchFamily="2" charset="0"/>
-              </a:rPr>
-              <a:t>Anmelden</a:t>
-            </a:r>
-          </a:p>
-        </p:txBody>
-      </p:sp>
-      <p:sp>
-        <p:nvSpPr>
-          <p:cNvPr id="15" name="Rechteck 14">
-            <a:extLst>
-              <a:ext uri="{FF2B5EF4-FFF2-40B4-BE49-F238E27FC236}">
-                <a16:creationId xmlns:a16="http://schemas.microsoft.com/office/drawing/2014/main" id="{CA096542-58D1-4015-91B9-01FC6D31C8E9}"/>
+              <a:t>Auto abstellen</a:t>
+            </a:r>
+          </a:p>
+        </p:txBody>
+      </p:sp>
+      <p:sp>
+        <p:nvSpPr>
+          <p:cNvPr id="26" name="Rechteck 25">
+            <a:extLst>
+              <a:ext uri="{FF2B5EF4-FFF2-40B4-BE49-F238E27FC236}">
+                <a16:creationId xmlns:a16="http://schemas.microsoft.com/office/drawing/2014/main" id="{8AE6B1C1-5577-40E1-914A-86AEA3C10D66}"/>
               </a:ext>
             </a:extLst>
           </p:cNvPr>
@@ -3961,7 +3939,7 @@
         </p:nvSpPr>
         <p:spPr>
           <a:xfrm>
-            <a:off x="5620417" y="4141277"/>
+            <a:off x="10427312" y="4153888"/>
             <a:ext cx="1416424" cy="754155"/>
           </a:xfrm>
           <a:prstGeom prst="rect">
@@ -4010,30 +3988,17 @@
                 <a:latin typeface="Roboto Black" panose="02000000000000000000" pitchFamily="2" charset="0"/>
                 <a:ea typeface="Roboto Black" panose="02000000000000000000" pitchFamily="2" charset="0"/>
               </a:rPr>
-              <a:t>User </a:t>
-            </a:r>
-          </a:p>
-          <a:p>
-            <a:pPr algn="ctr"/>
-            <a:r>
-              <a:rPr lang="de-AT" sz="1700" dirty="0">
-                <a:solidFill>
-                  <a:schemeClr val="bg1"/>
-                </a:solidFill>
-                <a:latin typeface="Roboto Black" panose="02000000000000000000" pitchFamily="2" charset="0"/>
-                <a:ea typeface="Roboto Black" panose="02000000000000000000" pitchFamily="2" charset="0"/>
-              </a:rPr>
-              <a:t>Abmelden</a:t>
-            </a:r>
-          </a:p>
-        </p:txBody>
-      </p:sp>
-      <p:sp>
-        <p:nvSpPr>
-          <p:cNvPr id="16" name="Rechteck 15">
-            <a:extLst>
-              <a:ext uri="{FF2B5EF4-FFF2-40B4-BE49-F238E27FC236}">
-                <a16:creationId xmlns:a16="http://schemas.microsoft.com/office/drawing/2014/main" id="{5D75BFB1-F9AB-4105-9469-2316B879AEF0}"/>
+              <a:t>Auto anbieten</a:t>
+            </a:r>
+          </a:p>
+        </p:txBody>
+      </p:sp>
+      <p:sp>
+        <p:nvSpPr>
+          <p:cNvPr id="32" name="Rechteck 31">
+            <a:extLst>
+              <a:ext uri="{FF2B5EF4-FFF2-40B4-BE49-F238E27FC236}">
+                <a16:creationId xmlns:a16="http://schemas.microsoft.com/office/drawing/2014/main" id="{509B293E-9303-42D9-835B-621863D43176}"/>
               </a:ext>
             </a:extLst>
           </p:cNvPr>
@@ -4042,7 +4007,7 @@
         </p:nvSpPr>
         <p:spPr>
           <a:xfrm>
-            <a:off x="7242802" y="4141276"/>
+            <a:off x="8816979" y="3040944"/>
             <a:ext cx="1416424" cy="754155"/>
           </a:xfrm>
           <a:prstGeom prst="rect">
@@ -4084,24 +4049,24 @@
           <a:p>
             <a:pPr algn="ctr"/>
             <a:r>
-              <a:rPr lang="de-AT" sz="1700" dirty="0">
+              <a:rPr lang="de-AT" sz="1400" dirty="0">
                 <a:solidFill>
                   <a:schemeClr val="bg1"/>
                 </a:solidFill>
                 <a:latin typeface="Roboto Black" panose="02000000000000000000" pitchFamily="2" charset="0"/>
                 <a:ea typeface="Roboto Black" panose="02000000000000000000" pitchFamily="2" charset="0"/>
               </a:rPr>
-              <a:t>Auto mieten</a:t>
-            </a:r>
-          </a:p>
-        </p:txBody>
-      </p:sp>
-      <p:sp>
-        <p:nvSpPr>
-          <p:cNvPr id="17" name="Rechteck 16">
-            <a:extLst>
-              <a:ext uri="{FF2B5EF4-FFF2-40B4-BE49-F238E27FC236}">
-                <a16:creationId xmlns:a16="http://schemas.microsoft.com/office/drawing/2014/main" id="{A82932FE-A243-49F5-9DF3-714D42F452A4}"/>
+              <a:t>Zahlungsmittel verwalten</a:t>
+            </a:r>
+          </a:p>
+        </p:txBody>
+      </p:sp>
+      <p:sp>
+        <p:nvSpPr>
+          <p:cNvPr id="33" name="Rechteck 32">
+            <a:extLst>
+              <a:ext uri="{FF2B5EF4-FFF2-40B4-BE49-F238E27FC236}">
+                <a16:creationId xmlns:a16="http://schemas.microsoft.com/office/drawing/2014/main" id="{36C0294A-5C4A-43F1-919A-15689CB2AECD}"/>
               </a:ext>
             </a:extLst>
           </p:cNvPr>
@@ -4110,7 +4075,7 @@
         </p:nvSpPr>
         <p:spPr>
           <a:xfrm>
-            <a:off x="8865187" y="4141275"/>
+            <a:off x="8816979" y="4145956"/>
             <a:ext cx="1416424" cy="754155"/>
           </a:xfrm>
           <a:prstGeom prst="rect">
@@ -4122,6 +4087,13 @@
               <a:schemeClr val="bg1"/>
             </a:solidFill>
           </a:ln>
+          <a:effectLst>
+            <a:outerShdw blurRad="50800" dist="38100" dir="2700000" algn="tl" rotWithShape="0">
+              <a:prstClr val="black">
+                <a:alpha val="40000"/>
+              </a:prstClr>
+            </a:outerShdw>
+          </a:effectLst>
         </p:spPr>
         <p:style>
           <a:lnRef idx="2">
@@ -4144,22 +4116,25 @@
           <a:lstStyle/>
           <a:p>
             <a:pPr algn="ctr"/>
-            <a:endParaRPr lang="de-AT" sz="1700" dirty="0">
-              <a:solidFill>
-                <a:schemeClr val="bg1"/>
-              </a:solidFill>
-              <a:latin typeface="Roboto Black" panose="02000000000000000000" pitchFamily="2" charset="0"/>
-              <a:ea typeface="Roboto Black" panose="02000000000000000000" pitchFamily="2" charset="0"/>
-            </a:endParaRPr>
-          </a:p>
-        </p:txBody>
-      </p:sp>
-      <p:sp>
-        <p:nvSpPr>
-          <p:cNvPr id="18" name="Rechteck 17">
-            <a:extLst>
-              <a:ext uri="{FF2B5EF4-FFF2-40B4-BE49-F238E27FC236}">
-                <a16:creationId xmlns:a16="http://schemas.microsoft.com/office/drawing/2014/main" id="{2409C16D-A157-4808-95C0-D293DA995ECE}"/>
+            <a:r>
+              <a:rPr lang="de-AT" sz="1400" dirty="0">
+                <a:solidFill>
+                  <a:schemeClr val="bg1"/>
+                </a:solidFill>
+                <a:latin typeface="Roboto Black" panose="02000000000000000000" pitchFamily="2" charset="0"/>
+                <a:ea typeface="Roboto Black" panose="02000000000000000000" pitchFamily="2" charset="0"/>
+              </a:rPr>
+              <a:t>Zahlungsmittel hinzufügen</a:t>
+            </a:r>
+          </a:p>
+        </p:txBody>
+      </p:sp>
+      <p:sp>
+        <p:nvSpPr>
+          <p:cNvPr id="34" name="Rechteck 33">
+            <a:extLst>
+              <a:ext uri="{FF2B5EF4-FFF2-40B4-BE49-F238E27FC236}">
+                <a16:creationId xmlns:a16="http://schemas.microsoft.com/office/drawing/2014/main" id="{660BB338-9E24-4E46-9D1B-3DF3749976DC}"/>
               </a:ext>
             </a:extLst>
           </p:cNvPr>
@@ -4168,7 +4143,7 @@
         </p:nvSpPr>
         <p:spPr>
           <a:xfrm>
-            <a:off x="10487572" y="4141274"/>
+            <a:off x="7206646" y="4142834"/>
             <a:ext cx="1416424" cy="754155"/>
           </a:xfrm>
           <a:prstGeom prst="rect">
@@ -4180,6 +4155,13 @@
               <a:schemeClr val="bg1"/>
             </a:solidFill>
           </a:ln>
+          <a:effectLst>
+            <a:outerShdw blurRad="50800" dist="38100" dir="2700000" algn="tl" rotWithShape="0">
+              <a:prstClr val="black">
+                <a:alpha val="40000"/>
+              </a:prstClr>
+            </a:outerShdw>
+          </a:effectLst>
         </p:spPr>
         <p:style>
           <a:lnRef idx="2">
@@ -4202,22 +4184,38 @@
           <a:lstStyle/>
           <a:p>
             <a:pPr algn="ctr"/>
-            <a:endParaRPr lang="de-AT" sz="1700">
-              <a:solidFill>
-                <a:schemeClr val="bg1"/>
-              </a:solidFill>
-              <a:latin typeface="Roboto Black" panose="02000000000000000000" pitchFamily="2" charset="0"/>
-              <a:ea typeface="Roboto Black" panose="02000000000000000000" pitchFamily="2" charset="0"/>
-            </a:endParaRPr>
-          </a:p>
-        </p:txBody>
-      </p:sp>
-      <p:sp>
-        <p:nvSpPr>
-          <p:cNvPr id="19" name="Rechteck 18">
-            <a:extLst>
-              <a:ext uri="{FF2B5EF4-FFF2-40B4-BE49-F238E27FC236}">
-                <a16:creationId xmlns:a16="http://schemas.microsoft.com/office/drawing/2014/main" id="{97DC3610-867F-4258-8B69-9A7EB28273EB}"/>
+            <a:r>
+              <a:rPr lang="de-AT" sz="1700" dirty="0">
+                <a:solidFill>
+                  <a:schemeClr val="bg1"/>
+                </a:solidFill>
+                <a:latin typeface="Roboto Black" panose="02000000000000000000" pitchFamily="2" charset="0"/>
+                <a:ea typeface="Roboto Black" panose="02000000000000000000" pitchFamily="2" charset="0"/>
+              </a:rPr>
+              <a:t>Schaden</a:t>
+            </a:r>
+          </a:p>
+          <a:p>
+            <a:pPr algn="ctr"/>
+            <a:r>
+              <a:rPr lang="de-AT" sz="1700" dirty="0">
+                <a:solidFill>
+                  <a:schemeClr val="bg1"/>
+                </a:solidFill>
+                <a:latin typeface="Roboto Black" panose="02000000000000000000" pitchFamily="2" charset="0"/>
+                <a:ea typeface="Roboto Black" panose="02000000000000000000" pitchFamily="2" charset="0"/>
+              </a:rPr>
+              <a:t>melden</a:t>
+            </a:r>
+          </a:p>
+        </p:txBody>
+      </p:sp>
+      <p:sp>
+        <p:nvSpPr>
+          <p:cNvPr id="35" name="Rechteck 34">
+            <a:extLst>
+              <a:ext uri="{FF2B5EF4-FFF2-40B4-BE49-F238E27FC236}">
+                <a16:creationId xmlns:a16="http://schemas.microsoft.com/office/drawing/2014/main" id="{3674FEC0-EA5F-4FA8-9CC6-EAFD146BEF15}"/>
               </a:ext>
             </a:extLst>
           </p:cNvPr>
@@ -4226,7 +4224,7 @@
         </p:nvSpPr>
         <p:spPr>
           <a:xfrm>
-            <a:off x="3998032" y="2985739"/>
+            <a:off x="5596313" y="4153888"/>
             <a:ext cx="1416424" cy="754155"/>
           </a:xfrm>
           <a:prstGeom prst="rect">
@@ -4275,17 +4273,17 @@
                 <a:latin typeface="Roboto Black" panose="02000000000000000000" pitchFamily="2" charset="0"/>
                 <a:ea typeface="Roboto Black" panose="02000000000000000000" pitchFamily="2" charset="0"/>
               </a:rPr>
-              <a:t>Anmelden</a:t>
-            </a:r>
-          </a:p>
-        </p:txBody>
-      </p:sp>
-      <p:sp>
-        <p:nvSpPr>
-          <p:cNvPr id="20" name="Rechteck 19">
-            <a:extLst>
-              <a:ext uri="{FF2B5EF4-FFF2-40B4-BE49-F238E27FC236}">
-                <a16:creationId xmlns:a16="http://schemas.microsoft.com/office/drawing/2014/main" id="{FD86369D-EE6B-420D-A6E6-0E19822BF31D}"/>
+              <a:t>Location anzeigen</a:t>
+            </a:r>
+          </a:p>
+        </p:txBody>
+      </p:sp>
+      <p:sp>
+        <p:nvSpPr>
+          <p:cNvPr id="36" name="Rechteck 35">
+            <a:extLst>
+              <a:ext uri="{FF2B5EF4-FFF2-40B4-BE49-F238E27FC236}">
+                <a16:creationId xmlns:a16="http://schemas.microsoft.com/office/drawing/2014/main" id="{7A57478D-E39D-4969-9A49-D5479BE4D285}"/>
               </a:ext>
             </a:extLst>
           </p:cNvPr>
@@ -4294,7 +4292,7 @@
         </p:nvSpPr>
         <p:spPr>
           <a:xfrm>
-            <a:off x="5620417" y="2985738"/>
+            <a:off x="10427312" y="3062976"/>
             <a:ext cx="1416424" cy="754155"/>
           </a:xfrm>
           <a:prstGeom prst="rect">
@@ -4343,17 +4341,17 @@
                 <a:latin typeface="Roboto Black" panose="02000000000000000000" pitchFamily="2" charset="0"/>
                 <a:ea typeface="Roboto Black" panose="02000000000000000000" pitchFamily="2" charset="0"/>
               </a:rPr>
-              <a:t>Abmelden</a:t>
-            </a:r>
-          </a:p>
-        </p:txBody>
-      </p:sp>
-      <p:sp>
-        <p:nvSpPr>
-          <p:cNvPr id="21" name="Rechteck 20">
-            <a:extLst>
-              <a:ext uri="{FF2B5EF4-FFF2-40B4-BE49-F238E27FC236}">
-                <a16:creationId xmlns:a16="http://schemas.microsoft.com/office/drawing/2014/main" id="{50E13A47-3A52-4D1A-AC2B-F336D0C7EC32}"/>
+              <a:t>Auto anbieten</a:t>
+            </a:r>
+          </a:p>
+        </p:txBody>
+      </p:sp>
+      <p:sp>
+        <p:nvSpPr>
+          <p:cNvPr id="37" name="Rechteck 36">
+            <a:extLst>
+              <a:ext uri="{FF2B5EF4-FFF2-40B4-BE49-F238E27FC236}">
+                <a16:creationId xmlns:a16="http://schemas.microsoft.com/office/drawing/2014/main" id="{1E561216-A5AD-4816-94C0-53E6BE11C7B1}"/>
               </a:ext>
             </a:extLst>
           </p:cNvPr>
@@ -4362,7 +4360,7 @@
         </p:nvSpPr>
         <p:spPr>
           <a:xfrm>
-            <a:off x="7242802" y="2985738"/>
+            <a:off x="8816979" y="1809058"/>
             <a:ext cx="1416424" cy="754155"/>
           </a:xfrm>
           <a:prstGeom prst="rect">
@@ -4404,24 +4402,24 @@
           <a:p>
             <a:pPr algn="ctr"/>
             <a:r>
-              <a:rPr lang="de-AT" sz="1700" dirty="0">
+              <a:rPr lang="de-AT" sz="1400" dirty="0">
                 <a:solidFill>
                   <a:schemeClr val="bg1"/>
                 </a:solidFill>
                 <a:latin typeface="Roboto Black" panose="02000000000000000000" pitchFamily="2" charset="0"/>
                 <a:ea typeface="Roboto Black" panose="02000000000000000000" pitchFamily="2" charset="0"/>
               </a:rPr>
-              <a:t>Auto mieten</a:t>
-            </a:r>
-          </a:p>
-        </p:txBody>
-      </p:sp>
-      <p:sp>
-        <p:nvSpPr>
-          <p:cNvPr id="22" name="Rechteck 21">
-            <a:extLst>
-              <a:ext uri="{FF2B5EF4-FFF2-40B4-BE49-F238E27FC236}">
-                <a16:creationId xmlns:a16="http://schemas.microsoft.com/office/drawing/2014/main" id="{7DE5BDE1-53C4-423A-AA9D-BF21F56FFA2E}"/>
+              <a:t>Zahlungsmittel verwalten</a:t>
+            </a:r>
+          </a:p>
+        </p:txBody>
+      </p:sp>
+      <p:sp>
+        <p:nvSpPr>
+          <p:cNvPr id="38" name="Rechteck 37">
+            <a:extLst>
+              <a:ext uri="{FF2B5EF4-FFF2-40B4-BE49-F238E27FC236}">
+                <a16:creationId xmlns:a16="http://schemas.microsoft.com/office/drawing/2014/main" id="{7F191BE3-07DD-4D38-A11B-D5503A92BC1E}"/>
               </a:ext>
             </a:extLst>
           </p:cNvPr>
@@ -4430,7 +4428,7 @@
         </p:nvSpPr>
         <p:spPr>
           <a:xfrm>
-            <a:off x="8865187" y="2985738"/>
+            <a:off x="10427312" y="644339"/>
             <a:ext cx="1416424" cy="754155"/>
           </a:xfrm>
           <a:prstGeom prst="rect">
@@ -4442,6 +4440,13 @@
               <a:schemeClr val="bg1"/>
             </a:solidFill>
           </a:ln>
+          <a:effectLst>
+            <a:outerShdw blurRad="50800" dist="38100" dir="2700000" algn="tl" rotWithShape="0">
+              <a:prstClr val="black">
+                <a:alpha val="40000"/>
+              </a:prstClr>
+            </a:outerShdw>
+          </a:effectLst>
         </p:spPr>
         <p:style>
           <a:lnRef idx="2">
@@ -4464,22 +4469,25 @@
           <a:lstStyle/>
           <a:p>
             <a:pPr algn="ctr"/>
-            <a:endParaRPr lang="de-AT" sz="1700" dirty="0">
-              <a:solidFill>
-                <a:schemeClr val="bg1"/>
-              </a:solidFill>
-              <a:latin typeface="Roboto Black" panose="02000000000000000000" pitchFamily="2" charset="0"/>
-              <a:ea typeface="Roboto Black" panose="02000000000000000000" pitchFamily="2" charset="0"/>
-            </a:endParaRPr>
-          </a:p>
-        </p:txBody>
-      </p:sp>
-      <p:sp>
-        <p:nvSpPr>
-          <p:cNvPr id="24" name="Rechteck 23">
-            <a:extLst>
-              <a:ext uri="{FF2B5EF4-FFF2-40B4-BE49-F238E27FC236}">
-                <a16:creationId xmlns:a16="http://schemas.microsoft.com/office/drawing/2014/main" id="{96E915D6-96E5-41CA-BD6C-452AD58EF407}"/>
+            <a:r>
+              <a:rPr lang="de-AT" sz="1700" dirty="0">
+                <a:solidFill>
+                  <a:schemeClr val="bg1"/>
+                </a:solidFill>
+                <a:latin typeface="Roboto Black" panose="02000000000000000000" pitchFamily="2" charset="0"/>
+                <a:ea typeface="Roboto Black" panose="02000000000000000000" pitchFamily="2" charset="0"/>
+              </a:rPr>
+              <a:t>Admin</a:t>
+            </a:r>
+          </a:p>
+        </p:txBody>
+      </p:sp>
+      <p:sp>
+        <p:nvSpPr>
+          <p:cNvPr id="40" name="Rechteck 39">
+            <a:extLst>
+              <a:ext uri="{FF2B5EF4-FFF2-40B4-BE49-F238E27FC236}">
+                <a16:creationId xmlns:a16="http://schemas.microsoft.com/office/drawing/2014/main" id="{086C77CC-75DA-4D31-ADA9-94864DDD2CF5}"/>
               </a:ext>
             </a:extLst>
           </p:cNvPr>
@@ -4488,7 +4496,7 @@
         </p:nvSpPr>
         <p:spPr>
           <a:xfrm>
-            <a:off x="8865187" y="4141274"/>
+            <a:off x="10427312" y="1809058"/>
             <a:ext cx="1416424" cy="754155"/>
           </a:xfrm>
           <a:prstGeom prst="rect">
@@ -4537,11 +4545,181 @@
                 <a:latin typeface="Roboto Black" panose="02000000000000000000" pitchFamily="2" charset="0"/>
                 <a:ea typeface="Roboto Black" panose="02000000000000000000" pitchFamily="2" charset="0"/>
               </a:rPr>
-              <a:t>Schaden</a:t>
-            </a:r>
-          </a:p>
-          <a:p>
-            <a:pPr algn="ctr"/>
+              <a:t>Auto anbieten</a:t>
+            </a:r>
+          </a:p>
+        </p:txBody>
+      </p:sp>
+    </p:spTree>
+    <p:extLst>
+      <p:ext uri="{BB962C8B-B14F-4D97-AF65-F5344CB8AC3E}">
+        <p14:creationId xmlns:p14="http://schemas.microsoft.com/office/powerpoint/2010/main" val="3678531143"/>
+      </p:ext>
+    </p:extLst>
+  </p:cSld>
+  <p:clrMapOvr>
+    <a:masterClrMapping/>
+  </p:clrMapOvr>
+</p:sld>
+</file>
+
+<file path=ppt/slides/slide2.xml><?xml version="1.0" encoding="utf-8"?>
+<p:sld xmlns:a="http://schemas.openxmlformats.org/drawingml/2006/main" xmlns:r="http://schemas.openxmlformats.org/officeDocument/2006/relationships" xmlns:p="http://schemas.openxmlformats.org/presentationml/2006/main">
+  <p:cSld>
+    <p:spTree>
+      <p:nvGrpSpPr>
+        <p:cNvPr id="1" name=""/>
+        <p:cNvGrpSpPr/>
+        <p:nvPr/>
+      </p:nvGrpSpPr>
+      <p:grpSpPr>
+        <a:xfrm>
+          <a:off x="0" y="0"/>
+          <a:ext cx="0" cy="0"/>
+          <a:chOff x="0" y="0"/>
+          <a:chExt cx="0" cy="0"/>
+        </a:xfrm>
+      </p:grpSpPr>
+      <p:sp>
+        <p:nvSpPr>
+          <p:cNvPr id="2" name="Titel 1">
+            <a:extLst>
+              <a:ext uri="{FF2B5EF4-FFF2-40B4-BE49-F238E27FC236}">
+                <a16:creationId xmlns:a16="http://schemas.microsoft.com/office/drawing/2014/main" id="{0FB6589C-E9B0-4BC6-BAED-2ABAE0A474EF}"/>
+              </a:ext>
+            </a:extLst>
+          </p:cNvPr>
+          <p:cNvSpPr>
+            <a:spLocks noGrp="1"/>
+          </p:cNvSpPr>
+          <p:nvPr>
+            <p:ph type="title"/>
+          </p:nvPr>
+        </p:nvSpPr>
+        <p:spPr/>
+        <p:txBody>
+          <a:bodyPr/>
+          <a:lstStyle/>
+          <a:p>
+            <a:endParaRPr lang="de-AT"/>
+          </a:p>
+        </p:txBody>
+      </p:sp>
+      <p:sp>
+        <p:nvSpPr>
+          <p:cNvPr id="3" name="Inhaltsplatzhalter 2">
+            <a:extLst>
+              <a:ext uri="{FF2B5EF4-FFF2-40B4-BE49-F238E27FC236}">
+                <a16:creationId xmlns:a16="http://schemas.microsoft.com/office/drawing/2014/main" id="{E6EF806A-15CB-433F-8799-5A50EDB68780}"/>
+              </a:ext>
+            </a:extLst>
+          </p:cNvPr>
+          <p:cNvSpPr>
+            <a:spLocks noGrp="1"/>
+          </p:cNvSpPr>
+          <p:nvPr>
+            <p:ph idx="1"/>
+          </p:nvPr>
+        </p:nvSpPr>
+        <p:spPr/>
+        <p:txBody>
+          <a:bodyPr/>
+          <a:lstStyle/>
+          <a:p>
+            <a:endParaRPr lang="de-AT"/>
+          </a:p>
+        </p:txBody>
+      </p:sp>
+      <p:sp>
+        <p:nvSpPr>
+          <p:cNvPr id="4" name="Rechteck 3">
+            <a:extLst>
+              <a:ext uri="{FF2B5EF4-FFF2-40B4-BE49-F238E27FC236}">
+                <a16:creationId xmlns:a16="http://schemas.microsoft.com/office/drawing/2014/main" id="{BA3515C8-76B4-4014-B733-C58757064E7D}"/>
+              </a:ext>
+            </a:extLst>
+          </p:cNvPr>
+          <p:cNvSpPr/>
+          <p:nvPr/>
+        </p:nvSpPr>
+        <p:spPr>
+          <a:xfrm>
+            <a:off x="0" y="0"/>
+            <a:ext cx="12192000" cy="6858000"/>
+          </a:xfrm>
+          <a:prstGeom prst="rect">
+            <a:avLst/>
+          </a:prstGeom>
+          <a:solidFill>
+            <a:schemeClr val="accent2">
+              <a:lumMod val="60000"/>
+              <a:lumOff val="40000"/>
+            </a:schemeClr>
+          </a:solidFill>
+          <a:effectLst>
+            <a:outerShdw blurRad="50800" dist="38100" dir="2700000" algn="tl" rotWithShape="0">
+              <a:prstClr val="black">
+                <a:alpha val="40000"/>
+              </a:prstClr>
+            </a:outerShdw>
+          </a:effectLst>
+        </p:spPr>
+        <p:style>
+          <a:lnRef idx="1">
+            <a:schemeClr val="accent4"/>
+          </a:lnRef>
+          <a:fillRef idx="3">
+            <a:schemeClr val="accent4"/>
+          </a:fillRef>
+          <a:effectRef idx="2">
+            <a:schemeClr val="accent4"/>
+          </a:effectRef>
+          <a:fontRef idx="minor">
+            <a:schemeClr val="lt1"/>
+          </a:fontRef>
+        </p:style>
+        <p:txBody>
+          <a:bodyPr rtlCol="0" anchor="ctr"/>
+          <a:lstStyle/>
+          <a:p>
+            <a:endParaRPr lang="de-AT" sz="1700" dirty="0">
+              <a:solidFill>
+                <a:schemeClr val="bg1"/>
+              </a:solidFill>
+              <a:latin typeface="Roboto Black" panose="02000000000000000000" pitchFamily="2" charset="0"/>
+              <a:ea typeface="Roboto Black" panose="02000000000000000000" pitchFamily="2" charset="0"/>
+            </a:endParaRPr>
+          </a:p>
+        </p:txBody>
+      </p:sp>
+      <p:sp>
+        <p:nvSpPr>
+          <p:cNvPr id="5" name="Textfeld 4">
+            <a:extLst>
+              <a:ext uri="{FF2B5EF4-FFF2-40B4-BE49-F238E27FC236}">
+                <a16:creationId xmlns:a16="http://schemas.microsoft.com/office/drawing/2014/main" id="{9684C82A-4480-4D87-8B7F-CD19493B93AD}"/>
+              </a:ext>
+            </a:extLst>
+          </p:cNvPr>
+          <p:cNvSpPr txBox="1"/>
+          <p:nvPr/>
+        </p:nvSpPr>
+        <p:spPr>
+          <a:xfrm>
+            <a:off x="646356" y="836750"/>
+            <a:ext cx="686406" cy="353943"/>
+          </a:xfrm>
+          <a:prstGeom prst="rect">
+            <a:avLst/>
+          </a:prstGeom>
+          <a:noFill/>
+        </p:spPr>
+        <p:txBody>
+          <a:bodyPr wrap="none" rtlCol="0">
+            <a:spAutoFit/>
+          </a:bodyPr>
+          <a:lstStyle/>
+          <a:p>
             <a:r>
               <a:rPr lang="de-AT" sz="1700" dirty="0">
                 <a:solidFill>
@@ -4550,17 +4728,140 @@
                 <a:latin typeface="Roboto Black" panose="02000000000000000000" pitchFamily="2" charset="0"/>
                 <a:ea typeface="Roboto Black" panose="02000000000000000000" pitchFamily="2" charset="0"/>
               </a:rPr>
-              <a:t>melden</a:t>
-            </a:r>
-          </a:p>
-        </p:txBody>
-      </p:sp>
-      <p:sp>
-        <p:nvSpPr>
-          <p:cNvPr id="25" name="Rechteck 24">
-            <a:extLst>
-              <a:ext uri="{FF2B5EF4-FFF2-40B4-BE49-F238E27FC236}">
-                <a16:creationId xmlns:a16="http://schemas.microsoft.com/office/drawing/2014/main" id="{B213CA78-D0F2-45F3-8650-26BFE55194A7}"/>
+              <a:t>Rolle</a:t>
+            </a:r>
+          </a:p>
+        </p:txBody>
+      </p:sp>
+      <p:sp>
+        <p:nvSpPr>
+          <p:cNvPr id="6" name="Textfeld 5">
+            <a:extLst>
+              <a:ext uri="{FF2B5EF4-FFF2-40B4-BE49-F238E27FC236}">
+                <a16:creationId xmlns:a16="http://schemas.microsoft.com/office/drawing/2014/main" id="{55CEDE29-0DFB-4555-9BFE-17FCCE17E890}"/>
+              </a:ext>
+            </a:extLst>
+          </p:cNvPr>
+          <p:cNvSpPr txBox="1"/>
+          <p:nvPr/>
+        </p:nvSpPr>
+        <p:spPr>
+          <a:xfrm>
+            <a:off x="646356" y="2009165"/>
+            <a:ext cx="1632178" cy="353943"/>
+          </a:xfrm>
+          <a:prstGeom prst="rect">
+            <a:avLst/>
+          </a:prstGeom>
+          <a:noFill/>
+        </p:spPr>
+        <p:txBody>
+          <a:bodyPr wrap="none" rtlCol="0">
+            <a:spAutoFit/>
+          </a:bodyPr>
+          <a:lstStyle/>
+          <a:p>
+            <a:r>
+              <a:rPr lang="de-AT" sz="1700" dirty="0">
+                <a:solidFill>
+                  <a:schemeClr val="bg1"/>
+                </a:solidFill>
+                <a:latin typeface="Roboto Black" panose="02000000000000000000" pitchFamily="2" charset="0"/>
+                <a:ea typeface="Roboto Black" panose="02000000000000000000" pitchFamily="2" charset="0"/>
+              </a:rPr>
+              <a:t>User Activities</a:t>
+            </a:r>
+          </a:p>
+        </p:txBody>
+      </p:sp>
+      <p:sp>
+        <p:nvSpPr>
+          <p:cNvPr id="7" name="Textfeld 6">
+            <a:extLst>
+              <a:ext uri="{FF2B5EF4-FFF2-40B4-BE49-F238E27FC236}">
+                <a16:creationId xmlns:a16="http://schemas.microsoft.com/office/drawing/2014/main" id="{D9F19BD9-AFE3-4572-9034-CC985028E6A5}"/>
+              </a:ext>
+            </a:extLst>
+          </p:cNvPr>
+          <p:cNvSpPr txBox="1"/>
+          <p:nvPr/>
+        </p:nvSpPr>
+        <p:spPr>
+          <a:xfrm>
+            <a:off x="646356" y="3178151"/>
+            <a:ext cx="1181734" cy="353943"/>
+          </a:xfrm>
+          <a:prstGeom prst="rect">
+            <a:avLst/>
+          </a:prstGeom>
+          <a:noFill/>
+        </p:spPr>
+        <p:txBody>
+          <a:bodyPr wrap="none" rtlCol="0">
+            <a:spAutoFit/>
+          </a:bodyPr>
+          <a:lstStyle/>
+          <a:p>
+            <a:r>
+              <a:rPr lang="de-AT" sz="1700" dirty="0">
+                <a:solidFill>
+                  <a:schemeClr val="bg1"/>
+                </a:solidFill>
+                <a:latin typeface="Roboto Black" panose="02000000000000000000" pitchFamily="2" charset="0"/>
+                <a:ea typeface="Roboto Black" panose="02000000000000000000" pitchFamily="2" charset="0"/>
+              </a:rPr>
+              <a:t>User Task</a:t>
+            </a:r>
+          </a:p>
+        </p:txBody>
+      </p:sp>
+      <p:sp>
+        <p:nvSpPr>
+          <p:cNvPr id="8" name="Textfeld 7">
+            <a:extLst>
+              <a:ext uri="{FF2B5EF4-FFF2-40B4-BE49-F238E27FC236}">
+                <a16:creationId xmlns:a16="http://schemas.microsoft.com/office/drawing/2014/main" id="{A5A24A66-207B-4A0C-8D8F-858BF5D016E6}"/>
+              </a:ext>
+            </a:extLst>
+          </p:cNvPr>
+          <p:cNvSpPr txBox="1"/>
+          <p:nvPr/>
+        </p:nvSpPr>
+        <p:spPr>
+          <a:xfrm>
+            <a:off x="646356" y="4353995"/>
+            <a:ext cx="1404552" cy="353943"/>
+          </a:xfrm>
+          <a:prstGeom prst="rect">
+            <a:avLst/>
+          </a:prstGeom>
+          <a:noFill/>
+        </p:spPr>
+        <p:txBody>
+          <a:bodyPr wrap="none" rtlCol="0">
+            <a:spAutoFit/>
+          </a:bodyPr>
+          <a:lstStyle/>
+          <a:p>
+            <a:r>
+              <a:rPr lang="de-AT" sz="1700" dirty="0">
+                <a:solidFill>
+                  <a:schemeClr val="bg1"/>
+                </a:solidFill>
+                <a:latin typeface="Roboto Black" panose="02000000000000000000" pitchFamily="2" charset="0"/>
+                <a:ea typeface="Roboto Black" panose="02000000000000000000" pitchFamily="2" charset="0"/>
+              </a:rPr>
+              <a:t>User Stories</a:t>
+            </a:r>
+          </a:p>
+        </p:txBody>
+      </p:sp>
+      <p:sp>
+        <p:nvSpPr>
+          <p:cNvPr id="9" name="Rechteck 8">
+            <a:extLst>
+              <a:ext uri="{FF2B5EF4-FFF2-40B4-BE49-F238E27FC236}">
+                <a16:creationId xmlns:a16="http://schemas.microsoft.com/office/drawing/2014/main" id="{CDDA1343-EC71-4D34-B03B-C0A4B4A79816}"/>
               </a:ext>
             </a:extLst>
           </p:cNvPr>
@@ -4569,7 +4870,7 @@
         </p:nvSpPr>
         <p:spPr>
           <a:xfrm>
-            <a:off x="10487572" y="4141273"/>
+            <a:off x="2375647" y="644339"/>
             <a:ext cx="1416424" cy="754155"/>
           </a:xfrm>
           <a:prstGeom prst="rect">
@@ -4618,37 +4919,17 @@
                 <a:latin typeface="Roboto Black" panose="02000000000000000000" pitchFamily="2" charset="0"/>
                 <a:ea typeface="Roboto Black" panose="02000000000000000000" pitchFamily="2" charset="0"/>
               </a:rPr>
-              <a:t>Admin</a:t>
-            </a:r>
-          </a:p>
-          <a:p>
-            <a:pPr algn="ctr"/>
-            <a:r>
-              <a:rPr lang="de-AT" sz="1700" dirty="0" err="1">
-                <a:solidFill>
-                  <a:schemeClr val="bg1"/>
-                </a:solidFill>
-                <a:latin typeface="Roboto Black" panose="02000000000000000000" pitchFamily="2" charset="0"/>
-                <a:ea typeface="Roboto Black" panose="02000000000000000000" pitchFamily="2" charset="0"/>
-              </a:rPr>
-              <a:t>verwaltung</a:t>
-            </a:r>
-            <a:endParaRPr lang="de-AT" sz="1700" dirty="0">
-              <a:solidFill>
-                <a:schemeClr val="bg1"/>
-              </a:solidFill>
-              <a:latin typeface="Roboto Black" panose="02000000000000000000" pitchFamily="2" charset="0"/>
-              <a:ea typeface="Roboto Black" panose="02000000000000000000" pitchFamily="2" charset="0"/>
-            </a:endParaRPr>
-          </a:p>
-        </p:txBody>
-      </p:sp>
-      <p:sp>
-        <p:nvSpPr>
-          <p:cNvPr id="26" name="Rechteck 25">
-            <a:extLst>
-              <a:ext uri="{FF2B5EF4-FFF2-40B4-BE49-F238E27FC236}">
-                <a16:creationId xmlns:a16="http://schemas.microsoft.com/office/drawing/2014/main" id="{8AE6B1C1-5577-40E1-914A-86AEA3C10D66}"/>
+              <a:t>User</a:t>
+            </a:r>
+          </a:p>
+        </p:txBody>
+      </p:sp>
+      <p:sp>
+        <p:nvSpPr>
+          <p:cNvPr id="10" name="Rechteck 9">
+            <a:extLst>
+              <a:ext uri="{FF2B5EF4-FFF2-40B4-BE49-F238E27FC236}">
+                <a16:creationId xmlns:a16="http://schemas.microsoft.com/office/drawing/2014/main" id="{77199E56-3351-4391-A849-FF83EA061BCD}"/>
               </a:ext>
             </a:extLst>
           </p:cNvPr>
@@ -4657,7 +4938,7 @@
         </p:nvSpPr>
         <p:spPr>
           <a:xfrm>
-            <a:off x="8865187" y="2978044"/>
+            <a:off x="2375647" y="1816754"/>
             <a:ext cx="1416424" cy="754155"/>
           </a:xfrm>
           <a:prstGeom prst="rect">
@@ -4706,9 +4987,64 @@
                 <a:latin typeface="Roboto Black" panose="02000000000000000000" pitchFamily="2" charset="0"/>
                 <a:ea typeface="Roboto Black" panose="02000000000000000000" pitchFamily="2" charset="0"/>
               </a:rPr>
-              <a:t>Schaden</a:t>
-            </a:r>
-          </a:p>
+              <a:t>User Verwalten</a:t>
+            </a:r>
+          </a:p>
+        </p:txBody>
+      </p:sp>
+      <p:sp>
+        <p:nvSpPr>
+          <p:cNvPr id="11" name="Rechteck 10">
+            <a:extLst>
+              <a:ext uri="{FF2B5EF4-FFF2-40B4-BE49-F238E27FC236}">
+                <a16:creationId xmlns:a16="http://schemas.microsoft.com/office/drawing/2014/main" id="{11E06CE0-73D9-4F2D-806C-25F531CD6CD6}"/>
+              </a:ext>
+            </a:extLst>
+          </p:cNvPr>
+          <p:cNvSpPr/>
+          <p:nvPr/>
+        </p:nvSpPr>
+        <p:spPr>
+          <a:xfrm>
+            <a:off x="2375647" y="2989169"/>
+            <a:ext cx="1416424" cy="754155"/>
+          </a:xfrm>
+          <a:prstGeom prst="rect">
+            <a:avLst/>
+          </a:prstGeom>
+          <a:noFill/>
+          <a:ln>
+            <a:solidFill>
+              <a:schemeClr val="bg1"/>
+            </a:solidFill>
+          </a:ln>
+          <a:effectLst>
+            <a:outerShdw blurRad="50800" dist="38100" dir="2700000" algn="tl" rotWithShape="0">
+              <a:prstClr val="black">
+                <a:alpha val="40000"/>
+              </a:prstClr>
+            </a:outerShdw>
+          </a:effectLst>
+        </p:spPr>
+        <p:style>
+          <a:lnRef idx="2">
+            <a:schemeClr val="accent1">
+              <a:shade val="50000"/>
+            </a:schemeClr>
+          </a:lnRef>
+          <a:fillRef idx="1">
+            <a:schemeClr val="accent1"/>
+          </a:fillRef>
+          <a:effectRef idx="0">
+            <a:schemeClr val="accent1"/>
+          </a:effectRef>
+          <a:fontRef idx="minor">
+            <a:schemeClr val="lt1"/>
+          </a:fontRef>
+        </p:style>
+        <p:txBody>
+          <a:bodyPr rtlCol="0" anchor="ctr"/>
+          <a:lstStyle/>
           <a:p>
             <a:pPr algn="ctr"/>
             <a:r>
@@ -4719,7 +5055,835 @@
                 <a:latin typeface="Roboto Black" panose="02000000000000000000" pitchFamily="2" charset="0"/>
                 <a:ea typeface="Roboto Black" panose="02000000000000000000" pitchFamily="2" charset="0"/>
               </a:rPr>
-              <a:t>melden</a:t>
+              <a:t>Registrieren</a:t>
+            </a:r>
+          </a:p>
+        </p:txBody>
+      </p:sp>
+      <p:sp>
+        <p:nvSpPr>
+          <p:cNvPr id="12" name="Rechteck 11">
+            <a:extLst>
+              <a:ext uri="{FF2B5EF4-FFF2-40B4-BE49-F238E27FC236}">
+                <a16:creationId xmlns:a16="http://schemas.microsoft.com/office/drawing/2014/main" id="{91C504F4-498D-4DB5-A4FD-DEDB63C3FA5C}"/>
+              </a:ext>
+            </a:extLst>
+          </p:cNvPr>
+          <p:cNvSpPr/>
+          <p:nvPr/>
+        </p:nvSpPr>
+        <p:spPr>
+          <a:xfrm>
+            <a:off x="2375647" y="4161584"/>
+            <a:ext cx="1416424" cy="754155"/>
+          </a:xfrm>
+          <a:prstGeom prst="rect">
+            <a:avLst/>
+          </a:prstGeom>
+          <a:noFill/>
+          <a:ln>
+            <a:solidFill>
+              <a:schemeClr val="bg1"/>
+            </a:solidFill>
+          </a:ln>
+          <a:effectLst>
+            <a:outerShdw blurRad="50800" dist="38100" dir="2700000" algn="tl" rotWithShape="0">
+              <a:prstClr val="black">
+                <a:alpha val="40000"/>
+              </a:prstClr>
+            </a:outerShdw>
+          </a:effectLst>
+        </p:spPr>
+        <p:style>
+          <a:lnRef idx="2">
+            <a:schemeClr val="accent1">
+              <a:shade val="50000"/>
+            </a:schemeClr>
+          </a:lnRef>
+          <a:fillRef idx="1">
+            <a:schemeClr val="accent1"/>
+          </a:fillRef>
+          <a:effectRef idx="0">
+            <a:schemeClr val="accent1"/>
+          </a:effectRef>
+          <a:fontRef idx="minor">
+            <a:schemeClr val="lt1"/>
+          </a:fontRef>
+        </p:style>
+        <p:txBody>
+          <a:bodyPr rtlCol="0" anchor="ctr"/>
+          <a:lstStyle/>
+          <a:p>
+            <a:pPr algn="ctr"/>
+            <a:r>
+              <a:rPr lang="de-AT" sz="1700" dirty="0">
+                <a:solidFill>
+                  <a:schemeClr val="bg1"/>
+                </a:solidFill>
+                <a:latin typeface="Roboto Black" panose="02000000000000000000" pitchFamily="2" charset="0"/>
+                <a:ea typeface="Roboto Black" panose="02000000000000000000" pitchFamily="2" charset="0"/>
+              </a:rPr>
+              <a:t>User </a:t>
+            </a:r>
+          </a:p>
+          <a:p>
+            <a:pPr algn="ctr"/>
+            <a:r>
+              <a:rPr lang="de-AT" sz="1700" dirty="0">
+                <a:solidFill>
+                  <a:schemeClr val="bg1"/>
+                </a:solidFill>
+                <a:latin typeface="Roboto Black" panose="02000000000000000000" pitchFamily="2" charset="0"/>
+                <a:ea typeface="Roboto Black" panose="02000000000000000000" pitchFamily="2" charset="0"/>
+              </a:rPr>
+              <a:t>Registrieren</a:t>
+            </a:r>
+          </a:p>
+        </p:txBody>
+      </p:sp>
+      <p:sp>
+        <p:nvSpPr>
+          <p:cNvPr id="13" name="Rechteck 12">
+            <a:extLst>
+              <a:ext uri="{FF2B5EF4-FFF2-40B4-BE49-F238E27FC236}">
+                <a16:creationId xmlns:a16="http://schemas.microsoft.com/office/drawing/2014/main" id="{0887B667-B1D9-497B-BA65-04D294E35DDC}"/>
+              </a:ext>
+            </a:extLst>
+          </p:cNvPr>
+          <p:cNvSpPr/>
+          <p:nvPr/>
+        </p:nvSpPr>
+        <p:spPr>
+          <a:xfrm>
+            <a:off x="3998032" y="4161583"/>
+            <a:ext cx="1416424" cy="754155"/>
+          </a:xfrm>
+          <a:prstGeom prst="rect">
+            <a:avLst/>
+          </a:prstGeom>
+          <a:noFill/>
+          <a:ln>
+            <a:solidFill>
+              <a:schemeClr val="bg1"/>
+            </a:solidFill>
+          </a:ln>
+          <a:effectLst>
+            <a:outerShdw blurRad="50800" dist="38100" dir="2700000" algn="tl" rotWithShape="0">
+              <a:prstClr val="black">
+                <a:alpha val="40000"/>
+              </a:prstClr>
+            </a:outerShdw>
+          </a:effectLst>
+        </p:spPr>
+        <p:style>
+          <a:lnRef idx="2">
+            <a:schemeClr val="accent1">
+              <a:shade val="50000"/>
+            </a:schemeClr>
+          </a:lnRef>
+          <a:fillRef idx="1">
+            <a:schemeClr val="accent1"/>
+          </a:fillRef>
+          <a:effectRef idx="0">
+            <a:schemeClr val="accent1"/>
+          </a:effectRef>
+          <a:fontRef idx="minor">
+            <a:schemeClr val="lt1"/>
+          </a:fontRef>
+        </p:style>
+        <p:txBody>
+          <a:bodyPr rtlCol="0" anchor="ctr"/>
+          <a:lstStyle/>
+          <a:p>
+            <a:pPr algn="ctr"/>
+            <a:r>
+              <a:rPr lang="de-AT" sz="1700" dirty="0">
+                <a:solidFill>
+                  <a:schemeClr val="bg1"/>
+                </a:solidFill>
+                <a:latin typeface="Roboto Black" panose="02000000000000000000" pitchFamily="2" charset="0"/>
+                <a:ea typeface="Roboto Black" panose="02000000000000000000" pitchFamily="2" charset="0"/>
+              </a:rPr>
+              <a:t>User </a:t>
+            </a:r>
+          </a:p>
+          <a:p>
+            <a:pPr algn="ctr"/>
+            <a:r>
+              <a:rPr lang="de-AT" sz="1700" dirty="0">
+                <a:solidFill>
+                  <a:schemeClr val="bg1"/>
+                </a:solidFill>
+                <a:latin typeface="Roboto Black" panose="02000000000000000000" pitchFamily="2" charset="0"/>
+                <a:ea typeface="Roboto Black" panose="02000000000000000000" pitchFamily="2" charset="0"/>
+              </a:rPr>
+              <a:t>Anmelden</a:t>
+            </a:r>
+          </a:p>
+        </p:txBody>
+      </p:sp>
+      <p:sp>
+        <p:nvSpPr>
+          <p:cNvPr id="14" name="Rechteck 13">
+            <a:extLst>
+              <a:ext uri="{FF2B5EF4-FFF2-40B4-BE49-F238E27FC236}">
+                <a16:creationId xmlns:a16="http://schemas.microsoft.com/office/drawing/2014/main" id="{9554CBC7-E646-4E3E-A28B-C68ED7D63790}"/>
+              </a:ext>
+            </a:extLst>
+          </p:cNvPr>
+          <p:cNvSpPr/>
+          <p:nvPr/>
+        </p:nvSpPr>
+        <p:spPr>
+          <a:xfrm>
+            <a:off x="5620417" y="4141277"/>
+            <a:ext cx="1416424" cy="754155"/>
+          </a:xfrm>
+          <a:prstGeom prst="rect">
+            <a:avLst/>
+          </a:prstGeom>
+          <a:noFill/>
+          <a:ln>
+            <a:solidFill>
+              <a:schemeClr val="bg1"/>
+            </a:solidFill>
+          </a:ln>
+          <a:effectLst>
+            <a:outerShdw blurRad="50800" dist="38100" dir="2700000" algn="tl" rotWithShape="0">
+              <a:prstClr val="black">
+                <a:alpha val="40000"/>
+              </a:prstClr>
+            </a:outerShdw>
+          </a:effectLst>
+        </p:spPr>
+        <p:style>
+          <a:lnRef idx="2">
+            <a:schemeClr val="accent1">
+              <a:shade val="50000"/>
+            </a:schemeClr>
+          </a:lnRef>
+          <a:fillRef idx="1">
+            <a:schemeClr val="accent1"/>
+          </a:fillRef>
+          <a:effectRef idx="0">
+            <a:schemeClr val="accent1"/>
+          </a:effectRef>
+          <a:fontRef idx="minor">
+            <a:schemeClr val="lt1"/>
+          </a:fontRef>
+        </p:style>
+        <p:txBody>
+          <a:bodyPr rtlCol="0" anchor="ctr"/>
+          <a:lstStyle/>
+          <a:p>
+            <a:pPr algn="ctr"/>
+            <a:r>
+              <a:rPr lang="de-AT" sz="1700" dirty="0">
+                <a:solidFill>
+                  <a:schemeClr val="bg1"/>
+                </a:solidFill>
+                <a:latin typeface="Roboto Black" panose="02000000000000000000" pitchFamily="2" charset="0"/>
+                <a:ea typeface="Roboto Black" panose="02000000000000000000" pitchFamily="2" charset="0"/>
+              </a:rPr>
+              <a:t>User </a:t>
+            </a:r>
+          </a:p>
+          <a:p>
+            <a:pPr algn="ctr"/>
+            <a:r>
+              <a:rPr lang="de-AT" sz="1700" dirty="0">
+                <a:solidFill>
+                  <a:schemeClr val="bg1"/>
+                </a:solidFill>
+                <a:latin typeface="Roboto Black" panose="02000000000000000000" pitchFamily="2" charset="0"/>
+                <a:ea typeface="Roboto Black" panose="02000000000000000000" pitchFamily="2" charset="0"/>
+              </a:rPr>
+              <a:t>Abmelden</a:t>
+            </a:r>
+          </a:p>
+        </p:txBody>
+      </p:sp>
+      <p:sp>
+        <p:nvSpPr>
+          <p:cNvPr id="18" name="Rechteck 17">
+            <a:extLst>
+              <a:ext uri="{FF2B5EF4-FFF2-40B4-BE49-F238E27FC236}">
+                <a16:creationId xmlns:a16="http://schemas.microsoft.com/office/drawing/2014/main" id="{CD927D4E-DB0F-4342-9CD4-5D5722C104C3}"/>
+              </a:ext>
+            </a:extLst>
+          </p:cNvPr>
+          <p:cNvSpPr/>
+          <p:nvPr/>
+        </p:nvSpPr>
+        <p:spPr>
+          <a:xfrm>
+            <a:off x="3998032" y="2985739"/>
+            <a:ext cx="1416424" cy="754155"/>
+          </a:xfrm>
+          <a:prstGeom prst="rect">
+            <a:avLst/>
+          </a:prstGeom>
+          <a:noFill/>
+          <a:ln>
+            <a:solidFill>
+              <a:schemeClr val="bg1"/>
+            </a:solidFill>
+          </a:ln>
+          <a:effectLst>
+            <a:outerShdw blurRad="50800" dist="38100" dir="2700000" algn="tl" rotWithShape="0">
+              <a:prstClr val="black">
+                <a:alpha val="40000"/>
+              </a:prstClr>
+            </a:outerShdw>
+          </a:effectLst>
+        </p:spPr>
+        <p:style>
+          <a:lnRef idx="2">
+            <a:schemeClr val="accent1">
+              <a:shade val="50000"/>
+            </a:schemeClr>
+          </a:lnRef>
+          <a:fillRef idx="1">
+            <a:schemeClr val="accent1"/>
+          </a:fillRef>
+          <a:effectRef idx="0">
+            <a:schemeClr val="accent1"/>
+          </a:effectRef>
+          <a:fontRef idx="minor">
+            <a:schemeClr val="lt1"/>
+          </a:fontRef>
+        </p:style>
+        <p:txBody>
+          <a:bodyPr rtlCol="0" anchor="ctr"/>
+          <a:lstStyle/>
+          <a:p>
+            <a:pPr algn="ctr"/>
+            <a:r>
+              <a:rPr lang="de-AT" sz="1700" dirty="0">
+                <a:solidFill>
+                  <a:schemeClr val="bg1"/>
+                </a:solidFill>
+                <a:latin typeface="Roboto Black" panose="02000000000000000000" pitchFamily="2" charset="0"/>
+                <a:ea typeface="Roboto Black" panose="02000000000000000000" pitchFamily="2" charset="0"/>
+              </a:rPr>
+              <a:t>Anmelden</a:t>
+            </a:r>
+          </a:p>
+        </p:txBody>
+      </p:sp>
+      <p:sp>
+        <p:nvSpPr>
+          <p:cNvPr id="19" name="Rechteck 18">
+            <a:extLst>
+              <a:ext uri="{FF2B5EF4-FFF2-40B4-BE49-F238E27FC236}">
+                <a16:creationId xmlns:a16="http://schemas.microsoft.com/office/drawing/2014/main" id="{ECE3157E-8C02-4977-8B2B-BC95E3300FAD}"/>
+              </a:ext>
+            </a:extLst>
+          </p:cNvPr>
+          <p:cNvSpPr/>
+          <p:nvPr/>
+        </p:nvSpPr>
+        <p:spPr>
+          <a:xfrm>
+            <a:off x="5620417" y="2985738"/>
+            <a:ext cx="1416424" cy="754155"/>
+          </a:xfrm>
+          <a:prstGeom prst="rect">
+            <a:avLst/>
+          </a:prstGeom>
+          <a:noFill/>
+          <a:ln>
+            <a:solidFill>
+              <a:schemeClr val="bg1"/>
+            </a:solidFill>
+          </a:ln>
+          <a:effectLst>
+            <a:outerShdw blurRad="50800" dist="38100" dir="2700000" algn="tl" rotWithShape="0">
+              <a:prstClr val="black">
+                <a:alpha val="40000"/>
+              </a:prstClr>
+            </a:outerShdw>
+          </a:effectLst>
+        </p:spPr>
+        <p:style>
+          <a:lnRef idx="2">
+            <a:schemeClr val="accent1">
+              <a:shade val="50000"/>
+            </a:schemeClr>
+          </a:lnRef>
+          <a:fillRef idx="1">
+            <a:schemeClr val="accent1"/>
+          </a:fillRef>
+          <a:effectRef idx="0">
+            <a:schemeClr val="accent1"/>
+          </a:effectRef>
+          <a:fontRef idx="minor">
+            <a:schemeClr val="lt1"/>
+          </a:fontRef>
+        </p:style>
+        <p:txBody>
+          <a:bodyPr rtlCol="0" anchor="ctr"/>
+          <a:lstStyle/>
+          <a:p>
+            <a:pPr algn="ctr"/>
+            <a:r>
+              <a:rPr lang="de-AT" sz="1700" dirty="0">
+                <a:solidFill>
+                  <a:schemeClr val="bg1"/>
+                </a:solidFill>
+                <a:latin typeface="Roboto Black" panose="02000000000000000000" pitchFamily="2" charset="0"/>
+                <a:ea typeface="Roboto Black" panose="02000000000000000000" pitchFamily="2" charset="0"/>
+              </a:rPr>
+              <a:t>Abmelden</a:t>
+            </a:r>
+          </a:p>
+        </p:txBody>
+      </p:sp>
+      <p:sp>
+        <p:nvSpPr>
+          <p:cNvPr id="30" name="Rechteck 29">
+            <a:extLst>
+              <a:ext uri="{FF2B5EF4-FFF2-40B4-BE49-F238E27FC236}">
+                <a16:creationId xmlns:a16="http://schemas.microsoft.com/office/drawing/2014/main" id="{17DF6FBF-932F-42E6-B49F-61AC1FF39DB7}"/>
+              </a:ext>
+            </a:extLst>
+          </p:cNvPr>
+          <p:cNvSpPr/>
+          <p:nvPr/>
+        </p:nvSpPr>
+        <p:spPr>
+          <a:xfrm>
+            <a:off x="7242802" y="2978044"/>
+            <a:ext cx="1416424" cy="754155"/>
+          </a:xfrm>
+          <a:prstGeom prst="rect">
+            <a:avLst/>
+          </a:prstGeom>
+          <a:noFill/>
+          <a:ln>
+            <a:solidFill>
+              <a:schemeClr val="bg1"/>
+            </a:solidFill>
+          </a:ln>
+          <a:effectLst>
+            <a:outerShdw blurRad="50800" dist="38100" dir="2700000" algn="tl" rotWithShape="0">
+              <a:prstClr val="black">
+                <a:alpha val="40000"/>
+              </a:prstClr>
+            </a:outerShdw>
+          </a:effectLst>
+        </p:spPr>
+        <p:style>
+          <a:lnRef idx="2">
+            <a:schemeClr val="accent1">
+              <a:shade val="50000"/>
+            </a:schemeClr>
+          </a:lnRef>
+          <a:fillRef idx="1">
+            <a:schemeClr val="accent1"/>
+          </a:fillRef>
+          <a:effectRef idx="0">
+            <a:schemeClr val="accent1"/>
+          </a:effectRef>
+          <a:fontRef idx="minor">
+            <a:schemeClr val="lt1"/>
+          </a:fontRef>
+        </p:style>
+        <p:txBody>
+          <a:bodyPr rtlCol="0" anchor="ctr"/>
+          <a:lstStyle/>
+          <a:p>
+            <a:pPr algn="ctr"/>
+            <a:r>
+              <a:rPr lang="de-AT" sz="1700" dirty="0">
+                <a:solidFill>
+                  <a:schemeClr val="bg1"/>
+                </a:solidFill>
+                <a:latin typeface="Roboto Black" panose="02000000000000000000" pitchFamily="2" charset="0"/>
+                <a:ea typeface="Roboto Black" panose="02000000000000000000" pitchFamily="2" charset="0"/>
+              </a:rPr>
+              <a:t>Adminverwaltung</a:t>
+            </a:r>
+          </a:p>
+        </p:txBody>
+      </p:sp>
+      <p:sp>
+        <p:nvSpPr>
+          <p:cNvPr id="31" name="Rechteck 30">
+            <a:extLst>
+              <a:ext uri="{FF2B5EF4-FFF2-40B4-BE49-F238E27FC236}">
+                <a16:creationId xmlns:a16="http://schemas.microsoft.com/office/drawing/2014/main" id="{F38CE0DC-8566-418C-B0AC-6BD7E8FB3B11}"/>
+              </a:ext>
+            </a:extLst>
+          </p:cNvPr>
+          <p:cNvSpPr/>
+          <p:nvPr/>
+        </p:nvSpPr>
+        <p:spPr>
+          <a:xfrm>
+            <a:off x="7242802" y="1842376"/>
+            <a:ext cx="1416424" cy="754155"/>
+          </a:xfrm>
+          <a:prstGeom prst="rect">
+            <a:avLst/>
+          </a:prstGeom>
+          <a:noFill/>
+          <a:ln>
+            <a:solidFill>
+              <a:schemeClr val="bg1"/>
+            </a:solidFill>
+          </a:ln>
+          <a:effectLst>
+            <a:outerShdw blurRad="50800" dist="38100" dir="2700000" algn="tl" rotWithShape="0">
+              <a:prstClr val="black">
+                <a:alpha val="40000"/>
+              </a:prstClr>
+            </a:outerShdw>
+          </a:effectLst>
+        </p:spPr>
+        <p:style>
+          <a:lnRef idx="2">
+            <a:schemeClr val="accent1">
+              <a:shade val="50000"/>
+            </a:schemeClr>
+          </a:lnRef>
+          <a:fillRef idx="1">
+            <a:schemeClr val="accent1"/>
+          </a:fillRef>
+          <a:effectRef idx="0">
+            <a:schemeClr val="accent1"/>
+          </a:effectRef>
+          <a:fontRef idx="minor">
+            <a:schemeClr val="lt1"/>
+          </a:fontRef>
+        </p:style>
+        <p:txBody>
+          <a:bodyPr rtlCol="0" anchor="ctr"/>
+          <a:lstStyle/>
+          <a:p>
+            <a:pPr algn="ctr"/>
+            <a:r>
+              <a:rPr lang="de-AT" sz="1700" dirty="0">
+                <a:solidFill>
+                  <a:schemeClr val="bg1"/>
+                </a:solidFill>
+                <a:latin typeface="Roboto Black" panose="02000000000000000000" pitchFamily="2" charset="0"/>
+                <a:ea typeface="Roboto Black" panose="02000000000000000000" pitchFamily="2" charset="0"/>
+              </a:rPr>
+              <a:t>User analysieren</a:t>
+            </a:r>
+          </a:p>
+        </p:txBody>
+      </p:sp>
+      <p:sp>
+        <p:nvSpPr>
+          <p:cNvPr id="32" name="Rechteck 31">
+            <a:extLst>
+              <a:ext uri="{FF2B5EF4-FFF2-40B4-BE49-F238E27FC236}">
+                <a16:creationId xmlns:a16="http://schemas.microsoft.com/office/drawing/2014/main" id="{162ADF3E-9170-4892-98B9-8007328C512F}"/>
+              </a:ext>
+            </a:extLst>
+          </p:cNvPr>
+          <p:cNvSpPr/>
+          <p:nvPr/>
+        </p:nvSpPr>
+        <p:spPr>
+          <a:xfrm>
+            <a:off x="7242802" y="663738"/>
+            <a:ext cx="1416424" cy="754155"/>
+          </a:xfrm>
+          <a:prstGeom prst="rect">
+            <a:avLst/>
+          </a:prstGeom>
+          <a:noFill/>
+          <a:ln>
+            <a:solidFill>
+              <a:schemeClr val="bg1"/>
+            </a:solidFill>
+          </a:ln>
+          <a:effectLst>
+            <a:outerShdw blurRad="50800" dist="38100" dir="2700000" algn="tl" rotWithShape="0">
+              <a:prstClr val="black">
+                <a:alpha val="40000"/>
+              </a:prstClr>
+            </a:outerShdw>
+          </a:effectLst>
+        </p:spPr>
+        <p:style>
+          <a:lnRef idx="2">
+            <a:schemeClr val="accent1">
+              <a:shade val="50000"/>
+            </a:schemeClr>
+          </a:lnRef>
+          <a:fillRef idx="1">
+            <a:schemeClr val="accent1"/>
+          </a:fillRef>
+          <a:effectRef idx="0">
+            <a:schemeClr val="accent1"/>
+          </a:effectRef>
+          <a:fontRef idx="minor">
+            <a:schemeClr val="lt1"/>
+          </a:fontRef>
+        </p:style>
+        <p:txBody>
+          <a:bodyPr rtlCol="0" anchor="ctr"/>
+          <a:lstStyle/>
+          <a:p>
+            <a:pPr algn="ctr"/>
+            <a:r>
+              <a:rPr lang="de-AT" sz="1700" dirty="0">
+                <a:solidFill>
+                  <a:schemeClr val="bg1"/>
+                </a:solidFill>
+                <a:latin typeface="Roboto Black" panose="02000000000000000000" pitchFamily="2" charset="0"/>
+                <a:ea typeface="Roboto Black" panose="02000000000000000000" pitchFamily="2" charset="0"/>
+              </a:rPr>
+              <a:t>Admin</a:t>
+            </a:r>
+          </a:p>
+        </p:txBody>
+      </p:sp>
+      <p:sp>
+        <p:nvSpPr>
+          <p:cNvPr id="34" name="Rechteck 33">
+            <a:extLst>
+              <a:ext uri="{FF2B5EF4-FFF2-40B4-BE49-F238E27FC236}">
+                <a16:creationId xmlns:a16="http://schemas.microsoft.com/office/drawing/2014/main" id="{1B4DA851-DB95-4279-A22F-E44A4D038D05}"/>
+              </a:ext>
+            </a:extLst>
+          </p:cNvPr>
+          <p:cNvSpPr/>
+          <p:nvPr/>
+        </p:nvSpPr>
+        <p:spPr>
+          <a:xfrm>
+            <a:off x="7242802" y="5192654"/>
+            <a:ext cx="1416424" cy="754155"/>
+          </a:xfrm>
+          <a:prstGeom prst="rect">
+            <a:avLst/>
+          </a:prstGeom>
+          <a:noFill/>
+          <a:ln>
+            <a:solidFill>
+              <a:schemeClr val="bg1"/>
+            </a:solidFill>
+          </a:ln>
+          <a:effectLst>
+            <a:outerShdw blurRad="50800" dist="38100" dir="2700000" algn="tl" rotWithShape="0">
+              <a:prstClr val="black">
+                <a:alpha val="40000"/>
+              </a:prstClr>
+            </a:outerShdw>
+          </a:effectLst>
+        </p:spPr>
+        <p:style>
+          <a:lnRef idx="2">
+            <a:schemeClr val="accent1">
+              <a:shade val="50000"/>
+            </a:schemeClr>
+          </a:lnRef>
+          <a:fillRef idx="1">
+            <a:schemeClr val="accent1"/>
+          </a:fillRef>
+          <a:effectRef idx="0">
+            <a:schemeClr val="accent1"/>
+          </a:effectRef>
+          <a:fontRef idx="minor">
+            <a:schemeClr val="lt1"/>
+          </a:fontRef>
+        </p:style>
+        <p:txBody>
+          <a:bodyPr rtlCol="0" anchor="ctr"/>
+          <a:lstStyle/>
+          <a:p>
+            <a:pPr algn="ctr"/>
+            <a:r>
+              <a:rPr lang="de-AT" sz="1700" dirty="0">
+                <a:solidFill>
+                  <a:schemeClr val="bg1"/>
+                </a:solidFill>
+                <a:latin typeface="Roboto Black" panose="02000000000000000000" pitchFamily="2" charset="0"/>
+                <a:ea typeface="Roboto Black" panose="02000000000000000000" pitchFamily="2" charset="0"/>
+              </a:rPr>
+              <a:t>Personal Data</a:t>
+            </a:r>
+          </a:p>
+        </p:txBody>
+      </p:sp>
+      <p:sp>
+        <p:nvSpPr>
+          <p:cNvPr id="35" name="Rechteck 34">
+            <a:extLst>
+              <a:ext uri="{FF2B5EF4-FFF2-40B4-BE49-F238E27FC236}">
+                <a16:creationId xmlns:a16="http://schemas.microsoft.com/office/drawing/2014/main" id="{62F1FE00-2969-4418-9D32-C50CE624E2CD}"/>
+              </a:ext>
+            </a:extLst>
+          </p:cNvPr>
+          <p:cNvSpPr/>
+          <p:nvPr/>
+        </p:nvSpPr>
+        <p:spPr>
+          <a:xfrm>
+            <a:off x="8851070" y="5192653"/>
+            <a:ext cx="1416424" cy="754155"/>
+          </a:xfrm>
+          <a:prstGeom prst="rect">
+            <a:avLst/>
+          </a:prstGeom>
+          <a:noFill/>
+          <a:ln>
+            <a:solidFill>
+              <a:schemeClr val="bg1"/>
+            </a:solidFill>
+          </a:ln>
+          <a:effectLst>
+            <a:outerShdw blurRad="50800" dist="38100" dir="2700000" algn="tl" rotWithShape="0">
+              <a:prstClr val="black">
+                <a:alpha val="40000"/>
+              </a:prstClr>
+            </a:outerShdw>
+          </a:effectLst>
+        </p:spPr>
+        <p:style>
+          <a:lnRef idx="2">
+            <a:schemeClr val="accent1">
+              <a:shade val="50000"/>
+            </a:schemeClr>
+          </a:lnRef>
+          <a:fillRef idx="1">
+            <a:schemeClr val="accent1"/>
+          </a:fillRef>
+          <a:effectRef idx="0">
+            <a:schemeClr val="accent1"/>
+          </a:effectRef>
+          <a:fontRef idx="minor">
+            <a:schemeClr val="lt1"/>
+          </a:fontRef>
+        </p:style>
+        <p:txBody>
+          <a:bodyPr rtlCol="0" anchor="ctr"/>
+          <a:lstStyle/>
+          <a:p>
+            <a:pPr algn="ctr"/>
+            <a:r>
+              <a:rPr lang="de-AT" sz="1700" dirty="0">
+                <a:solidFill>
+                  <a:schemeClr val="bg1"/>
+                </a:solidFill>
+                <a:latin typeface="Roboto Black" panose="02000000000000000000" pitchFamily="2" charset="0"/>
+                <a:ea typeface="Roboto Black" panose="02000000000000000000" pitchFamily="2" charset="0"/>
+              </a:rPr>
+              <a:t>History</a:t>
+            </a:r>
+          </a:p>
+        </p:txBody>
+      </p:sp>
+      <p:sp>
+        <p:nvSpPr>
+          <p:cNvPr id="36" name="Rechteck 35">
+            <a:extLst>
+              <a:ext uri="{FF2B5EF4-FFF2-40B4-BE49-F238E27FC236}">
+                <a16:creationId xmlns:a16="http://schemas.microsoft.com/office/drawing/2014/main" id="{B2549B40-5593-422D-AF7E-A1AFD1EF3839}"/>
+              </a:ext>
+            </a:extLst>
+          </p:cNvPr>
+          <p:cNvSpPr/>
+          <p:nvPr/>
+        </p:nvSpPr>
+        <p:spPr>
+          <a:xfrm>
+            <a:off x="7242802" y="4113712"/>
+            <a:ext cx="1416424" cy="754155"/>
+          </a:xfrm>
+          <a:prstGeom prst="rect">
+            <a:avLst/>
+          </a:prstGeom>
+          <a:noFill/>
+          <a:ln>
+            <a:solidFill>
+              <a:schemeClr val="bg1"/>
+            </a:solidFill>
+          </a:ln>
+          <a:effectLst>
+            <a:outerShdw blurRad="50800" dist="38100" dir="2700000" algn="tl" rotWithShape="0">
+              <a:prstClr val="black">
+                <a:alpha val="40000"/>
+              </a:prstClr>
+            </a:outerShdw>
+          </a:effectLst>
+        </p:spPr>
+        <p:style>
+          <a:lnRef idx="2">
+            <a:schemeClr val="accent1">
+              <a:shade val="50000"/>
+            </a:schemeClr>
+          </a:lnRef>
+          <a:fillRef idx="1">
+            <a:schemeClr val="accent1"/>
+          </a:fillRef>
+          <a:effectRef idx="0">
+            <a:schemeClr val="accent1"/>
+          </a:effectRef>
+          <a:fontRef idx="minor">
+            <a:schemeClr val="lt1"/>
+          </a:fontRef>
+        </p:style>
+        <p:txBody>
+          <a:bodyPr rtlCol="0" anchor="ctr"/>
+          <a:lstStyle/>
+          <a:p>
+            <a:pPr algn="ctr"/>
+            <a:r>
+              <a:rPr lang="de-AT" sz="1700" dirty="0">
+                <a:solidFill>
+                  <a:schemeClr val="bg1"/>
+                </a:solidFill>
+                <a:latin typeface="Roboto Black" panose="02000000000000000000" pitchFamily="2" charset="0"/>
+                <a:ea typeface="Roboto Black" panose="02000000000000000000" pitchFamily="2" charset="0"/>
+              </a:rPr>
+              <a:t>Adminverwaltung</a:t>
+            </a:r>
+          </a:p>
+        </p:txBody>
+      </p:sp>
+      <p:sp>
+        <p:nvSpPr>
+          <p:cNvPr id="37" name="Textfeld 36">
+            <a:extLst>
+              <a:ext uri="{FF2B5EF4-FFF2-40B4-BE49-F238E27FC236}">
+                <a16:creationId xmlns:a16="http://schemas.microsoft.com/office/drawing/2014/main" id="{D9EE1596-13AE-48FF-BBB7-6D1149725647}"/>
+              </a:ext>
+            </a:extLst>
+          </p:cNvPr>
+          <p:cNvSpPr txBox="1"/>
+          <p:nvPr/>
+        </p:nvSpPr>
+        <p:spPr>
+          <a:xfrm>
+            <a:off x="646356" y="5385064"/>
+            <a:ext cx="1904339" cy="353943"/>
+          </a:xfrm>
+          <a:prstGeom prst="rect">
+            <a:avLst/>
+          </a:prstGeom>
+          <a:noFill/>
+        </p:spPr>
+        <p:txBody>
+          <a:bodyPr wrap="square" rtlCol="0">
+            <a:spAutoFit/>
+          </a:bodyPr>
+          <a:lstStyle/>
+          <a:p>
+            <a:r>
+              <a:rPr lang="de-AT" sz="1700" dirty="0">
+                <a:solidFill>
+                  <a:schemeClr val="bg1"/>
+                </a:solidFill>
+                <a:latin typeface="Roboto Black" panose="02000000000000000000" pitchFamily="2" charset="0"/>
+                <a:ea typeface="Roboto Black" panose="02000000000000000000" pitchFamily="2" charset="0"/>
+              </a:rPr>
+              <a:t>Sub User Stories</a:t>
             </a:r>
           </a:p>
         </p:txBody>
@@ -4727,7 +5891,7 @@
     </p:spTree>
     <p:extLst>
       <p:ext uri="{BB962C8B-B14F-4D97-AF65-F5344CB8AC3E}">
-        <p14:creationId xmlns:p14="http://schemas.microsoft.com/office/powerpoint/2010/main" val="3678531143"/>
+        <p14:creationId xmlns:p14="http://schemas.microsoft.com/office/powerpoint/2010/main" val="2796675035"/>
       </p:ext>
     </p:extLst>
   </p:cSld>
